--- a/Documentation/C&B Presentation.pptx
+++ b/Documentation/C&B Presentation.pptx
@@ -14419,7 +14419,7 @@
         </p:blipFill>
         <p:spPr>
           <a:xfrm>
-            <a:off x="1470740" y="1559163"/>
+            <a:off x="600305" y="1557898"/>
             <a:ext cx="872236" cy="993976"/>
           </a:xfrm>
           <a:prstGeom prst="rect">
@@ -14497,7 +14497,7 @@
         </p:blipFill>
         <p:spPr>
           <a:xfrm>
-            <a:off x="2782398" y="1127268"/>
+            <a:off x="1789979" y="1135320"/>
             <a:ext cx="1857024" cy="1857024"/>
           </a:xfrm>
           <a:prstGeom prst="rect">
@@ -14581,7 +14581,7 @@
         </p:blipFill>
         <p:spPr bwMode="auto">
           <a:xfrm>
-            <a:off x="6791325" y="1564219"/>
+            <a:off x="5888271" y="1533299"/>
             <a:ext cx="1043175" cy="1043175"/>
           </a:xfrm>
           <a:prstGeom prst="rect">
@@ -14627,7 +14627,7 @@
         </p:blipFill>
         <p:spPr>
           <a:xfrm>
-            <a:off x="2456009" y="3147417"/>
+            <a:off x="2284532" y="3147418"/>
             <a:ext cx="941959" cy="941959"/>
           </a:xfrm>
           <a:prstGeom prst="rect">
@@ -14664,7 +14664,7 @@
         </p:blipFill>
         <p:spPr bwMode="auto">
           <a:xfrm>
-            <a:off x="5078845" y="1592474"/>
+            <a:off x="4104668" y="1592474"/>
             <a:ext cx="934664" cy="934664"/>
           </a:xfrm>
           <a:prstGeom prst="rect">
@@ -14713,6 +14713,53 @@
           <a:xfrm>
             <a:off x="7741853" y="3208250"/>
             <a:ext cx="724349" cy="930198"/>
+          </a:xfrm>
+          <a:prstGeom prst="rect">
+            <a:avLst/>
+          </a:prstGeom>
+          <a:noFill/>
+          <a:extLst>
+            <a:ext uri="{909E8E84-426E-40DD-AFC4-6F175D3DCCD1}">
+              <a14:hiddenFill xmlns:a14="http://schemas.microsoft.com/office/drawing/2010/main">
+                <a:solidFill>
+                  <a:srgbClr val="FFFFFF"/>
+                </a:solidFill>
+              </a14:hiddenFill>
+            </a:ext>
+          </a:extLst>
+        </p:spPr>
+      </p:pic>
+      <p:pic>
+        <p:nvPicPr>
+          <p:cNvPr id="2" name="Picture 2" descr="Canva – Medium">
+            <a:extLst>
+              <a:ext uri="{FF2B5EF4-FFF2-40B4-BE49-F238E27FC236}">
+                <a16:creationId xmlns:a16="http://schemas.microsoft.com/office/drawing/2014/main" id="{74BA4B39-F5EB-1078-D009-5CE2338B6EAC}"/>
+              </a:ext>
+            </a:extLst>
+          </p:cNvPr>
+          <p:cNvPicPr>
+            <a:picLocks noChangeAspect="1" noChangeArrowheads="1"/>
+          </p:cNvPicPr>
+          <p:nvPr/>
+        </p:nvPicPr>
+        <p:blipFill>
+          <a:blip r:embed="rId15">
+            <a:extLst>
+              <a:ext uri="{28A0092B-C50C-407E-A947-70E740481C1C}">
+                <a14:useLocalDpi xmlns:a14="http://schemas.microsoft.com/office/drawing/2010/main" val="0"/>
+              </a:ext>
+            </a:extLst>
+          </a:blip>
+          <a:srcRect/>
+          <a:stretch>
+            <a:fillRect/>
+          </a:stretch>
+        </p:blipFill>
+        <p:spPr bwMode="auto">
+          <a:xfrm>
+            <a:off x="7530750" y="1483963"/>
+            <a:ext cx="1043175" cy="1043175"/>
           </a:xfrm>
           <a:prstGeom prst="rect">
             <a:avLst/>

--- a/Documentation/C&B Presentation.pptx
+++ b/Documentation/C&B Presentation.pptx
@@ -5,29 +5,30 @@
     <p:sldMasterId id="2147483677" r:id="rId1"/>
   </p:sldMasterIdLst>
   <p:notesMasterIdLst>
-    <p:notesMasterId r:id="rId7"/>
+    <p:notesMasterId r:id="rId8"/>
   </p:notesMasterIdLst>
   <p:sldIdLst>
     <p:sldId id="256" r:id="rId2"/>
     <p:sldId id="276" r:id="rId3"/>
-    <p:sldId id="260" r:id="rId4"/>
-    <p:sldId id="270" r:id="rId5"/>
-    <p:sldId id="266" r:id="rId6"/>
+    <p:sldId id="277" r:id="rId4"/>
+    <p:sldId id="260" r:id="rId5"/>
+    <p:sldId id="270" r:id="rId6"/>
+    <p:sldId id="266" r:id="rId7"/>
   </p:sldIdLst>
   <p:sldSz cx="9144000" cy="5143500" type="screen16x9"/>
   <p:notesSz cx="6858000" cy="9144000"/>
   <p:embeddedFontLst>
     <p:embeddedFont>
       <p:font typeface="Heebo" pitchFamily="2" charset="-79"/>
-      <p:regular r:id="rId8"/>
-      <p:bold r:id="rId9"/>
+      <p:regular r:id="rId9"/>
+      <p:bold r:id="rId10"/>
     </p:embeddedFont>
     <p:embeddedFont>
       <p:font typeface="Rockwell" panose="02060603020205020403" pitchFamily="18" charset="0"/>
-      <p:regular r:id="rId10"/>
-      <p:bold r:id="rId11"/>
-      <p:italic r:id="rId12"/>
-      <p:boldItalic r:id="rId13"/>
+      <p:regular r:id="rId11"/>
+      <p:bold r:id="rId12"/>
+      <p:italic r:id="rId13"/>
+      <p:boldItalic r:id="rId14"/>
     </p:embeddedFont>
   </p:embeddedFontLst>
   <p:defaultTextStyle>
@@ -1013,6 +1014,11 @@
         </p:txBody>
       </p:sp>
     </p:spTree>
+    <p:extLst>
+      <p:ext uri="{BB962C8B-B14F-4D97-AF65-F5344CB8AC3E}">
+        <p14:creationId xmlns:p14="http://schemas.microsoft.com/office/powerpoint/2010/main" val="476999913"/>
+      </p:ext>
+    </p:extLst>
   </p:cSld>
   <p:clrMapOvr>
     <a:masterClrMapping/>
@@ -1021,6 +1027,110 @@
 </file>
 
 <file path=ppt/notesSlides/notesSlide4.xml><?xml version="1.0" encoding="utf-8"?>
+<p:notes xmlns:a="http://schemas.openxmlformats.org/drawingml/2006/main" xmlns:r="http://schemas.openxmlformats.org/officeDocument/2006/relationships" xmlns:p="http://schemas.openxmlformats.org/presentationml/2006/main" showMasterSp="0" showMasterPhAnim="0">
+  <p:cSld>
+    <p:spTree>
+      <p:nvGrpSpPr>
+        <p:cNvPr id="1" name="Shape 699"/>
+        <p:cNvGrpSpPr/>
+        <p:nvPr/>
+      </p:nvGrpSpPr>
+      <p:grpSpPr>
+        <a:xfrm>
+          <a:off x="0" y="0"/>
+          <a:ext cx="0" cy="0"/>
+          <a:chOff x="0" y="0"/>
+          <a:chExt cx="0" cy="0"/>
+        </a:xfrm>
+      </p:grpSpPr>
+      <p:sp>
+        <p:nvSpPr>
+          <p:cNvPr id="700" name="Google Shape;700;g1003bd6ff09_0_0:notes"/>
+          <p:cNvSpPr>
+            <a:spLocks noGrp="1" noRot="1" noChangeAspect="1"/>
+          </p:cNvSpPr>
+          <p:nvPr>
+            <p:ph type="sldImg" idx="2"/>
+          </p:nvPr>
+        </p:nvSpPr>
+        <p:spPr>
+          <a:xfrm>
+            <a:off x="381000" y="685800"/>
+            <a:ext cx="6096000" cy="3429000"/>
+          </a:xfrm>
+          <a:custGeom>
+            <a:avLst/>
+            <a:gdLst/>
+            <a:ahLst/>
+            <a:cxnLst/>
+            <a:rect l="l" t="t" r="r" b="b"/>
+            <a:pathLst>
+              <a:path w="120000" h="120000" extrusionOk="0">
+                <a:moveTo>
+                  <a:pt x="0" y="0"/>
+                </a:moveTo>
+                <a:lnTo>
+                  <a:pt x="120000" y="0"/>
+                </a:lnTo>
+                <a:lnTo>
+                  <a:pt x="120000" y="120000"/>
+                </a:lnTo>
+                <a:lnTo>
+                  <a:pt x="0" y="120000"/>
+                </a:lnTo>
+                <a:close/>
+              </a:path>
+            </a:pathLst>
+          </a:custGeom>
+        </p:spPr>
+      </p:sp>
+      <p:sp>
+        <p:nvSpPr>
+          <p:cNvPr id="701" name="Google Shape;701;g1003bd6ff09_0_0:notes"/>
+          <p:cNvSpPr txBox="1">
+            <a:spLocks noGrp="1"/>
+          </p:cNvSpPr>
+          <p:nvPr>
+            <p:ph type="body" idx="1"/>
+          </p:nvPr>
+        </p:nvSpPr>
+        <p:spPr>
+          <a:xfrm>
+            <a:off x="685800" y="4343400"/>
+            <a:ext cx="5486400" cy="4114800"/>
+          </a:xfrm>
+          <a:prstGeom prst="rect">
+            <a:avLst/>
+          </a:prstGeom>
+        </p:spPr>
+        <p:txBody>
+          <a:bodyPr spcFirstLastPara="1" wrap="square" lIns="91425" tIns="91425" rIns="91425" bIns="91425" anchor="t" anchorCtr="0">
+            <a:noAutofit/>
+          </a:bodyPr>
+          <a:lstStyle/>
+          <a:p>
+            <a:pPr marL="0" lvl="0" indent="0" algn="l" rtl="0">
+              <a:spcBef>
+                <a:spcPts val="0"/>
+              </a:spcBef>
+              <a:spcAft>
+                <a:spcPts val="0"/>
+              </a:spcAft>
+              <a:buNone/>
+            </a:pPr>
+            <a:endParaRPr/>
+          </a:p>
+        </p:txBody>
+      </p:sp>
+    </p:spTree>
+  </p:cSld>
+  <p:clrMapOvr>
+    <a:masterClrMapping/>
+  </p:clrMapOvr>
+</p:notes>
+</file>
+
+<file path=ppt/notesSlides/notesSlide5.xml><?xml version="1.0" encoding="utf-8"?>
 <p:notes xmlns:a="http://schemas.openxmlformats.org/drawingml/2006/main" xmlns:r="http://schemas.openxmlformats.org/officeDocument/2006/relationships" xmlns:p="http://schemas.openxmlformats.org/presentationml/2006/main" showMasterSp="0" showMasterPhAnim="0">
   <p:cSld>
     <p:spTree>
@@ -1124,7 +1234,7 @@
 </p:notes>
 </file>
 
-<file path=ppt/notesSlides/notesSlide5.xml><?xml version="1.0" encoding="utf-8"?>
+<file path=ppt/notesSlides/notesSlide6.xml><?xml version="1.0" encoding="utf-8"?>
 <p:notes xmlns:a="http://schemas.openxmlformats.org/drawingml/2006/main" xmlns:r="http://schemas.openxmlformats.org/officeDocument/2006/relationships" xmlns:p="http://schemas.openxmlformats.org/presentationml/2006/main" showMasterSp="0" showMasterPhAnim="0">
   <p:cSld>
     <p:spTree>
@@ -13025,6 +13135,785 @@
           </p:txBody>
         </p:sp>
       </p:grpSp>
+      <p:grpSp>
+        <p:nvGrpSpPr>
+          <p:cNvPr id="23" name="Google Shape;710;p36">
+            <a:extLst>
+              <a:ext uri="{FF2B5EF4-FFF2-40B4-BE49-F238E27FC236}">
+                <a16:creationId xmlns:a16="http://schemas.microsoft.com/office/drawing/2014/main" id="{52E16CCB-F177-E799-1A75-675268611BAD}"/>
+              </a:ext>
+            </a:extLst>
+          </p:cNvPr>
+          <p:cNvGrpSpPr/>
+          <p:nvPr/>
+        </p:nvGrpSpPr>
+        <p:grpSpPr>
+          <a:xfrm>
+            <a:off x="7587950" y="2694570"/>
+            <a:ext cx="719925" cy="584000"/>
+            <a:chOff x="7822900" y="1786125"/>
+            <a:chExt cx="719925" cy="584000"/>
+          </a:xfrm>
+        </p:grpSpPr>
+        <p:sp>
+          <p:nvSpPr>
+            <p:cNvPr id="24" name="Google Shape;711;p36">
+              <a:extLst>
+                <a:ext uri="{FF2B5EF4-FFF2-40B4-BE49-F238E27FC236}">
+                  <a16:creationId xmlns:a16="http://schemas.microsoft.com/office/drawing/2014/main" id="{9F63E428-2199-BBF0-2E8F-FD7A1DF70C42}"/>
+                </a:ext>
+              </a:extLst>
+            </p:cNvPr>
+            <p:cNvSpPr/>
+            <p:nvPr/>
+          </p:nvSpPr>
+          <p:spPr>
+            <a:xfrm>
+              <a:off x="7822900" y="2149925"/>
+              <a:ext cx="220200" cy="220200"/>
+            </a:xfrm>
+            <a:prstGeom prst="star4">
+              <a:avLst>
+                <a:gd name="adj" fmla="val 12500"/>
+              </a:avLst>
+            </a:prstGeom>
+            <a:solidFill>
+              <a:schemeClr val="dk2"/>
+            </a:solidFill>
+            <a:ln>
+              <a:noFill/>
+            </a:ln>
+          </p:spPr>
+          <p:txBody>
+            <a:bodyPr spcFirstLastPara="1" wrap="square" lIns="91425" tIns="91425" rIns="91425" bIns="91425" anchor="ctr" anchorCtr="0">
+              <a:noAutofit/>
+            </a:bodyPr>
+            <a:lstStyle/>
+            <a:p>
+              <a:pPr marL="0" lvl="0" indent="0" algn="l" rtl="0">
+                <a:spcBef>
+                  <a:spcPts val="0"/>
+                </a:spcBef>
+                <a:spcAft>
+                  <a:spcPts val="0"/>
+                </a:spcAft>
+                <a:buNone/>
+              </a:pPr>
+              <a:endParaRPr/>
+            </a:p>
+          </p:txBody>
+        </p:sp>
+        <p:sp>
+          <p:nvSpPr>
+            <p:cNvPr id="25" name="Google Shape;712;p36">
+              <a:extLst>
+                <a:ext uri="{FF2B5EF4-FFF2-40B4-BE49-F238E27FC236}">
+                  <a16:creationId xmlns:a16="http://schemas.microsoft.com/office/drawing/2014/main" id="{6B5FCD6C-85AC-1616-275D-B989A2B9724D}"/>
+                </a:ext>
+              </a:extLst>
+            </p:cNvPr>
+            <p:cNvSpPr/>
+            <p:nvPr/>
+          </p:nvSpPr>
+          <p:spPr>
+            <a:xfrm flipH="1">
+              <a:off x="8431825" y="1786125"/>
+              <a:ext cx="111000" cy="111000"/>
+            </a:xfrm>
+            <a:prstGeom prst="ellipse">
+              <a:avLst/>
+            </a:prstGeom>
+            <a:noFill/>
+            <a:ln w="9525" cap="flat" cmpd="sng">
+              <a:solidFill>
+                <a:schemeClr val="dk2"/>
+              </a:solidFill>
+              <a:prstDash val="solid"/>
+              <a:round/>
+              <a:headEnd type="none" w="sm" len="sm"/>
+              <a:tailEnd type="none" w="sm" len="sm"/>
+            </a:ln>
+          </p:spPr>
+          <p:txBody>
+            <a:bodyPr spcFirstLastPara="1" wrap="square" lIns="91425" tIns="91425" rIns="91425" bIns="91425" anchor="ctr" anchorCtr="0">
+              <a:noAutofit/>
+            </a:bodyPr>
+            <a:lstStyle/>
+            <a:p>
+              <a:pPr marL="0" lvl="0" indent="0" algn="l" rtl="0">
+                <a:spcBef>
+                  <a:spcPts val="0"/>
+                </a:spcBef>
+                <a:spcAft>
+                  <a:spcPts val="0"/>
+                </a:spcAft>
+                <a:buNone/>
+              </a:pPr>
+              <a:endParaRPr/>
+            </a:p>
+          </p:txBody>
+        </p:sp>
+      </p:grpSp>
+      <p:pic>
+        <p:nvPicPr>
+          <p:cNvPr id="31" name="Picture 30">
+            <a:extLst>
+              <a:ext uri="{FF2B5EF4-FFF2-40B4-BE49-F238E27FC236}">
+                <a16:creationId xmlns:a16="http://schemas.microsoft.com/office/drawing/2014/main" id="{2DD1C111-7BA2-7311-3691-6656CF7AB31E}"/>
+              </a:ext>
+            </a:extLst>
+          </p:cNvPr>
+          <p:cNvPicPr>
+            <a:picLocks noChangeAspect="1"/>
+          </p:cNvPicPr>
+          <p:nvPr/>
+        </p:nvPicPr>
+        <p:blipFill>
+          <a:blip r:embed="rId3"/>
+          <a:stretch>
+            <a:fillRect/>
+          </a:stretch>
+        </p:blipFill>
+        <p:spPr>
+          <a:xfrm>
+            <a:off x="5177040" y="162792"/>
+            <a:ext cx="1494010" cy="992040"/>
+          </a:xfrm>
+          <a:prstGeom prst="rect">
+            <a:avLst/>
+          </a:prstGeom>
+        </p:spPr>
+      </p:pic>
+      <p:pic>
+        <p:nvPicPr>
+          <p:cNvPr id="39" name="Picture 38">
+            <a:extLst>
+              <a:ext uri="{FF2B5EF4-FFF2-40B4-BE49-F238E27FC236}">
+                <a16:creationId xmlns:a16="http://schemas.microsoft.com/office/drawing/2014/main" id="{40515884-810C-189A-4488-E7E51D5F3572}"/>
+              </a:ext>
+            </a:extLst>
+          </p:cNvPr>
+          <p:cNvPicPr>
+            <a:picLocks noChangeAspect="1"/>
+          </p:cNvPicPr>
+          <p:nvPr/>
+        </p:nvPicPr>
+        <p:blipFill>
+          <a:blip r:embed="rId3"/>
+          <a:stretch>
+            <a:fillRect/>
+          </a:stretch>
+        </p:blipFill>
+        <p:spPr>
+          <a:xfrm>
+            <a:off x="2116694" y="-3890"/>
+            <a:ext cx="2144155" cy="1228598"/>
+          </a:xfrm>
+          <a:prstGeom prst="rect">
+            <a:avLst/>
+          </a:prstGeom>
+        </p:spPr>
+      </p:pic>
+      <p:sp>
+        <p:nvSpPr>
+          <p:cNvPr id="29" name="Title 1">
+            <a:extLst>
+              <a:ext uri="{FF2B5EF4-FFF2-40B4-BE49-F238E27FC236}">
+                <a16:creationId xmlns:a16="http://schemas.microsoft.com/office/drawing/2014/main" id="{45DD33BC-141B-5A28-F165-A244C916ED1B}"/>
+              </a:ext>
+            </a:extLst>
+          </p:cNvPr>
+          <p:cNvSpPr>
+            <a:spLocks noGrp="1"/>
+          </p:cNvSpPr>
+          <p:nvPr>
+            <p:ph type="title"/>
+          </p:nvPr>
+        </p:nvSpPr>
+        <p:spPr>
+          <a:xfrm>
+            <a:off x="-1" y="183334"/>
+            <a:ext cx="9144001" cy="773981"/>
+          </a:xfrm>
+        </p:spPr>
+        <p:txBody>
+          <a:bodyPr>
+            <a:normAutofit fontScale="90000"/>
+          </a:bodyPr>
+          <a:lstStyle/>
+          <a:p>
+            <a:pPr algn="ctr"/>
+            <a:r>
+              <a:rPr lang="en-US" sz="4400" dirty="0"/>
+              <a:t>Idea of the project</a:t>
+            </a:r>
+          </a:p>
+        </p:txBody>
+      </p:sp>
+      <p:pic>
+        <p:nvPicPr>
+          <p:cNvPr id="3" name="Picture 2" descr="Diagram, text&#10;&#10;Description automatically generated">
+            <a:extLst>
+              <a:ext uri="{FF2B5EF4-FFF2-40B4-BE49-F238E27FC236}">
+                <a16:creationId xmlns:a16="http://schemas.microsoft.com/office/drawing/2014/main" id="{854E3352-FF4D-D7C5-B9C3-C7800278D27E}"/>
+              </a:ext>
+            </a:extLst>
+          </p:cNvPr>
+          <p:cNvPicPr>
+            <a:picLocks noChangeAspect="1"/>
+          </p:cNvPicPr>
+          <p:nvPr/>
+        </p:nvPicPr>
+        <p:blipFill>
+          <a:blip r:embed="rId4"/>
+          <a:stretch>
+            <a:fillRect/>
+          </a:stretch>
+        </p:blipFill>
+        <p:spPr>
+          <a:xfrm>
+            <a:off x="4591645" y="931658"/>
+            <a:ext cx="3481719" cy="1958467"/>
+          </a:xfrm>
+          <a:prstGeom prst="rect">
+            <a:avLst/>
+          </a:prstGeom>
+          <a:ln>
+            <a:noFill/>
+          </a:ln>
+          <a:effectLst>
+            <a:outerShdw blurRad="292100" dist="139700" dir="2700000" algn="tl" rotWithShape="0">
+              <a:srgbClr val="333333">
+                <a:alpha val="65000"/>
+              </a:srgbClr>
+            </a:outerShdw>
+          </a:effectLst>
+        </p:spPr>
+      </p:pic>
+      <p:pic>
+        <p:nvPicPr>
+          <p:cNvPr id="5" name="Picture 4" descr="A picture containing map&#10;&#10;Description automatically generated">
+            <a:extLst>
+              <a:ext uri="{FF2B5EF4-FFF2-40B4-BE49-F238E27FC236}">
+                <a16:creationId xmlns:a16="http://schemas.microsoft.com/office/drawing/2014/main" id="{F5D54A1E-1D93-69CA-8B38-2B4860B70AFF}"/>
+              </a:ext>
+            </a:extLst>
+          </p:cNvPr>
+          <p:cNvPicPr>
+            <a:picLocks noChangeAspect="1"/>
+          </p:cNvPicPr>
+          <p:nvPr/>
+        </p:nvPicPr>
+        <p:blipFill>
+          <a:blip r:embed="rId5"/>
+          <a:stretch>
+            <a:fillRect/>
+          </a:stretch>
+        </p:blipFill>
+        <p:spPr>
+          <a:xfrm>
+            <a:off x="1068929" y="2959205"/>
+            <a:ext cx="3315431" cy="2045336"/>
+          </a:xfrm>
+          <a:prstGeom prst="rect">
+            <a:avLst/>
+          </a:prstGeom>
+          <a:ln>
+            <a:noFill/>
+          </a:ln>
+          <a:effectLst>
+            <a:outerShdw blurRad="292100" dist="139700" dir="2700000" algn="tl" rotWithShape="0">
+              <a:srgbClr val="333333">
+                <a:alpha val="65000"/>
+              </a:srgbClr>
+            </a:outerShdw>
+          </a:effectLst>
+        </p:spPr>
+      </p:pic>
+      <p:pic>
+        <p:nvPicPr>
+          <p:cNvPr id="7" name="Picture 6">
+            <a:extLst>
+              <a:ext uri="{FF2B5EF4-FFF2-40B4-BE49-F238E27FC236}">
+                <a16:creationId xmlns:a16="http://schemas.microsoft.com/office/drawing/2014/main" id="{8844E170-615F-238A-120F-C9052F25B4A9}"/>
+              </a:ext>
+            </a:extLst>
+          </p:cNvPr>
+          <p:cNvPicPr>
+            <a:picLocks noChangeAspect="1"/>
+          </p:cNvPicPr>
+          <p:nvPr/>
+        </p:nvPicPr>
+        <p:blipFill>
+          <a:blip r:embed="rId6"/>
+          <a:stretch>
+            <a:fillRect/>
+          </a:stretch>
+        </p:blipFill>
+        <p:spPr>
+          <a:xfrm>
+            <a:off x="4591645" y="2974703"/>
+            <a:ext cx="3481719" cy="2013754"/>
+          </a:xfrm>
+          <a:prstGeom prst="rect">
+            <a:avLst/>
+          </a:prstGeom>
+          <a:ln>
+            <a:noFill/>
+          </a:ln>
+          <a:effectLst>
+            <a:outerShdw blurRad="292100" dist="139700" dir="2700000" algn="tl" rotWithShape="0">
+              <a:srgbClr val="333333">
+                <a:alpha val="65000"/>
+              </a:srgbClr>
+            </a:outerShdw>
+          </a:effectLst>
+        </p:spPr>
+      </p:pic>
+      <p:pic>
+        <p:nvPicPr>
+          <p:cNvPr id="9" name="Picture 8" descr="Diagram&#10;&#10;Description automatically generated">
+            <a:extLst>
+              <a:ext uri="{FF2B5EF4-FFF2-40B4-BE49-F238E27FC236}">
+                <a16:creationId xmlns:a16="http://schemas.microsoft.com/office/drawing/2014/main" id="{E050FBDF-311B-9B46-5AEE-162E839A340D}"/>
+              </a:ext>
+            </a:extLst>
+          </p:cNvPr>
+          <p:cNvPicPr>
+            <a:picLocks noChangeAspect="1"/>
+          </p:cNvPicPr>
+          <p:nvPr/>
+        </p:nvPicPr>
+        <p:blipFill>
+          <a:blip r:embed="rId7"/>
+          <a:stretch>
+            <a:fillRect/>
+          </a:stretch>
+        </p:blipFill>
+        <p:spPr>
+          <a:xfrm>
+            <a:off x="1068929" y="941817"/>
+            <a:ext cx="3315431" cy="1922652"/>
+          </a:xfrm>
+          <a:prstGeom prst="rect">
+            <a:avLst/>
+          </a:prstGeom>
+          <a:ln>
+            <a:noFill/>
+          </a:ln>
+          <a:effectLst>
+            <a:outerShdw blurRad="292100" dist="139700" dir="2700000" algn="tl" rotWithShape="0">
+              <a:srgbClr val="333333">
+                <a:alpha val="65000"/>
+              </a:srgbClr>
+            </a:outerShdw>
+          </a:effectLst>
+        </p:spPr>
+      </p:pic>
+    </p:spTree>
+    <p:extLst>
+      <p:ext uri="{BB962C8B-B14F-4D97-AF65-F5344CB8AC3E}">
+        <p14:creationId xmlns:p14="http://schemas.microsoft.com/office/powerpoint/2010/main" val="317431601"/>
+      </p:ext>
+    </p:extLst>
+  </p:cSld>
+  <p:clrMapOvr>
+    <a:masterClrMapping/>
+  </p:clrMapOvr>
+</p:sld>
+</file>
+
+<file path=ppt/slides/slide4.xml><?xml version="1.0" encoding="utf-8"?>
+<p:sld xmlns:a="http://schemas.openxmlformats.org/drawingml/2006/main" xmlns:r="http://schemas.openxmlformats.org/officeDocument/2006/relationships" xmlns:p="http://schemas.openxmlformats.org/presentationml/2006/main">
+  <p:cSld>
+    <p:spTree>
+      <p:nvGrpSpPr>
+        <p:cNvPr id="1" name="Shape 702"/>
+        <p:cNvGrpSpPr/>
+        <p:nvPr/>
+      </p:nvGrpSpPr>
+      <p:grpSpPr>
+        <a:xfrm>
+          <a:off x="0" y="0"/>
+          <a:ext cx="0" cy="0"/>
+          <a:chOff x="0" y="0"/>
+          <a:chExt cx="0" cy="0"/>
+        </a:xfrm>
+      </p:grpSpPr>
+      <p:sp>
+        <p:nvSpPr>
+          <p:cNvPr id="706" name="Google Shape;706;p36"/>
+          <p:cNvSpPr/>
+          <p:nvPr/>
+        </p:nvSpPr>
+        <p:spPr>
+          <a:xfrm>
+            <a:off x="2058550" y="878050"/>
+            <a:ext cx="220200" cy="220200"/>
+          </a:xfrm>
+          <a:prstGeom prst="star4">
+            <a:avLst>
+              <a:gd name="adj" fmla="val 12500"/>
+            </a:avLst>
+          </a:prstGeom>
+          <a:solidFill>
+            <a:schemeClr val="dk2"/>
+          </a:solidFill>
+          <a:ln>
+            <a:noFill/>
+          </a:ln>
+        </p:spPr>
+        <p:txBody>
+          <a:bodyPr spcFirstLastPara="1" wrap="square" lIns="91425" tIns="91425" rIns="91425" bIns="91425" anchor="ctr" anchorCtr="0">
+            <a:noAutofit/>
+          </a:bodyPr>
+          <a:lstStyle/>
+          <a:p>
+            <a:pPr marL="0" lvl="0" indent="0" algn="l" rtl="0">
+              <a:spcBef>
+                <a:spcPts val="0"/>
+              </a:spcBef>
+              <a:spcAft>
+                <a:spcPts val="0"/>
+              </a:spcAft>
+              <a:buNone/>
+            </a:pPr>
+            <a:endParaRPr/>
+          </a:p>
+        </p:txBody>
+      </p:sp>
+      <p:sp>
+        <p:nvSpPr>
+          <p:cNvPr id="707" name="Google Shape;707;p36"/>
+          <p:cNvSpPr/>
+          <p:nvPr/>
+        </p:nvSpPr>
+        <p:spPr>
+          <a:xfrm>
+            <a:off x="621100" y="3227625"/>
+            <a:ext cx="220200" cy="220200"/>
+          </a:xfrm>
+          <a:prstGeom prst="star4">
+            <a:avLst>
+              <a:gd name="adj" fmla="val 12500"/>
+            </a:avLst>
+          </a:prstGeom>
+          <a:solidFill>
+            <a:schemeClr val="dk2"/>
+          </a:solidFill>
+          <a:ln>
+            <a:noFill/>
+          </a:ln>
+        </p:spPr>
+        <p:txBody>
+          <a:bodyPr spcFirstLastPara="1" wrap="square" lIns="91425" tIns="91425" rIns="91425" bIns="91425" anchor="ctr" anchorCtr="0">
+            <a:noAutofit/>
+          </a:bodyPr>
+          <a:lstStyle/>
+          <a:p>
+            <a:pPr marL="0" lvl="0" indent="0" algn="l" rtl="0">
+              <a:spcBef>
+                <a:spcPts val="0"/>
+              </a:spcBef>
+              <a:spcAft>
+                <a:spcPts val="0"/>
+              </a:spcAft>
+              <a:buNone/>
+            </a:pPr>
+            <a:endParaRPr/>
+          </a:p>
+        </p:txBody>
+      </p:sp>
+      <p:sp>
+        <p:nvSpPr>
+          <p:cNvPr id="708" name="Google Shape;708;p36"/>
+          <p:cNvSpPr/>
+          <p:nvPr/>
+        </p:nvSpPr>
+        <p:spPr>
+          <a:xfrm flipH="1">
+            <a:off x="2863700" y="3905225"/>
+            <a:ext cx="111000" cy="111000"/>
+          </a:xfrm>
+          <a:prstGeom prst="ellipse">
+            <a:avLst/>
+          </a:prstGeom>
+          <a:noFill/>
+          <a:ln w="9525" cap="flat" cmpd="sng">
+            <a:solidFill>
+              <a:schemeClr val="dk2"/>
+            </a:solidFill>
+            <a:prstDash val="solid"/>
+            <a:round/>
+            <a:headEnd type="none" w="sm" len="sm"/>
+            <a:tailEnd type="none" w="sm" len="sm"/>
+          </a:ln>
+        </p:spPr>
+        <p:txBody>
+          <a:bodyPr spcFirstLastPara="1" wrap="square" lIns="91425" tIns="91425" rIns="91425" bIns="91425" anchor="ctr" anchorCtr="0">
+            <a:noAutofit/>
+          </a:bodyPr>
+          <a:lstStyle/>
+          <a:p>
+            <a:pPr marL="0" lvl="0" indent="0" algn="l" rtl="0">
+              <a:spcBef>
+                <a:spcPts val="0"/>
+              </a:spcBef>
+              <a:spcAft>
+                <a:spcPts val="0"/>
+              </a:spcAft>
+              <a:buNone/>
+            </a:pPr>
+            <a:endParaRPr/>
+          </a:p>
+        </p:txBody>
+      </p:sp>
+      <p:sp>
+        <p:nvSpPr>
+          <p:cNvPr id="709" name="Google Shape;709;p36"/>
+          <p:cNvSpPr/>
+          <p:nvPr/>
+        </p:nvSpPr>
+        <p:spPr>
+          <a:xfrm flipH="1">
+            <a:off x="6828000" y="570325"/>
+            <a:ext cx="111000" cy="111000"/>
+          </a:xfrm>
+          <a:prstGeom prst="ellipse">
+            <a:avLst/>
+          </a:prstGeom>
+          <a:noFill/>
+          <a:ln w="9525" cap="flat" cmpd="sng">
+            <a:solidFill>
+              <a:schemeClr val="dk2"/>
+            </a:solidFill>
+            <a:prstDash val="solid"/>
+            <a:round/>
+            <a:headEnd type="none" w="sm" len="sm"/>
+            <a:tailEnd type="none" w="sm" len="sm"/>
+          </a:ln>
+        </p:spPr>
+        <p:txBody>
+          <a:bodyPr spcFirstLastPara="1" wrap="square" lIns="91425" tIns="91425" rIns="91425" bIns="91425" anchor="ctr" anchorCtr="0">
+            <a:noAutofit/>
+          </a:bodyPr>
+          <a:lstStyle/>
+          <a:p>
+            <a:pPr marL="0" lvl="0" indent="0" algn="l" rtl="0">
+              <a:spcBef>
+                <a:spcPts val="0"/>
+              </a:spcBef>
+              <a:spcAft>
+                <a:spcPts val="0"/>
+              </a:spcAft>
+              <a:buNone/>
+            </a:pPr>
+            <a:endParaRPr/>
+          </a:p>
+        </p:txBody>
+      </p:sp>
+      <p:grpSp>
+        <p:nvGrpSpPr>
+          <p:cNvPr id="710" name="Google Shape;710;p36"/>
+          <p:cNvGrpSpPr/>
+          <p:nvPr/>
+        </p:nvGrpSpPr>
+        <p:grpSpPr>
+          <a:xfrm>
+            <a:off x="7587950" y="1551175"/>
+            <a:ext cx="719925" cy="584000"/>
+            <a:chOff x="7822900" y="1786125"/>
+            <a:chExt cx="719925" cy="584000"/>
+          </a:xfrm>
+        </p:grpSpPr>
+        <p:sp>
+          <p:nvSpPr>
+            <p:cNvPr id="711" name="Google Shape;711;p36"/>
+            <p:cNvSpPr/>
+            <p:nvPr/>
+          </p:nvSpPr>
+          <p:spPr>
+            <a:xfrm>
+              <a:off x="7822900" y="2149925"/>
+              <a:ext cx="220200" cy="220200"/>
+            </a:xfrm>
+            <a:prstGeom prst="star4">
+              <a:avLst>
+                <a:gd name="adj" fmla="val 12500"/>
+              </a:avLst>
+            </a:prstGeom>
+            <a:solidFill>
+              <a:schemeClr val="dk2"/>
+            </a:solidFill>
+            <a:ln>
+              <a:noFill/>
+            </a:ln>
+          </p:spPr>
+          <p:txBody>
+            <a:bodyPr spcFirstLastPara="1" wrap="square" lIns="91425" tIns="91425" rIns="91425" bIns="91425" anchor="ctr" anchorCtr="0">
+              <a:noAutofit/>
+            </a:bodyPr>
+            <a:lstStyle/>
+            <a:p>
+              <a:pPr marL="0" lvl="0" indent="0" algn="l" rtl="0">
+                <a:spcBef>
+                  <a:spcPts val="0"/>
+                </a:spcBef>
+                <a:spcAft>
+                  <a:spcPts val="0"/>
+                </a:spcAft>
+                <a:buNone/>
+              </a:pPr>
+              <a:endParaRPr/>
+            </a:p>
+          </p:txBody>
+        </p:sp>
+        <p:sp>
+          <p:nvSpPr>
+            <p:cNvPr id="712" name="Google Shape;712;p36"/>
+            <p:cNvSpPr/>
+            <p:nvPr/>
+          </p:nvSpPr>
+          <p:spPr>
+            <a:xfrm flipH="1">
+              <a:off x="8431825" y="1786125"/>
+              <a:ext cx="111000" cy="111000"/>
+            </a:xfrm>
+            <a:prstGeom prst="ellipse">
+              <a:avLst/>
+            </a:prstGeom>
+            <a:noFill/>
+            <a:ln w="9525" cap="flat" cmpd="sng">
+              <a:solidFill>
+                <a:schemeClr val="dk2"/>
+              </a:solidFill>
+              <a:prstDash val="solid"/>
+              <a:round/>
+              <a:headEnd type="none" w="sm" len="sm"/>
+              <a:tailEnd type="none" w="sm" len="sm"/>
+            </a:ln>
+          </p:spPr>
+          <p:txBody>
+            <a:bodyPr spcFirstLastPara="1" wrap="square" lIns="91425" tIns="91425" rIns="91425" bIns="91425" anchor="ctr" anchorCtr="0">
+              <a:noAutofit/>
+            </a:bodyPr>
+            <a:lstStyle/>
+            <a:p>
+              <a:pPr marL="0" lvl="0" indent="0" algn="l" rtl="0">
+                <a:spcBef>
+                  <a:spcPts val="0"/>
+                </a:spcBef>
+                <a:spcAft>
+                  <a:spcPts val="0"/>
+                </a:spcAft>
+                <a:buNone/>
+              </a:pPr>
+              <a:endParaRPr/>
+            </a:p>
+          </p:txBody>
+        </p:sp>
+      </p:grpSp>
+      <p:grpSp>
+        <p:nvGrpSpPr>
+          <p:cNvPr id="713" name="Google Shape;713;p36"/>
+          <p:cNvGrpSpPr/>
+          <p:nvPr/>
+        </p:nvGrpSpPr>
+        <p:grpSpPr>
+          <a:xfrm>
+            <a:off x="5211225" y="3968825"/>
+            <a:ext cx="947775" cy="466450"/>
+            <a:chOff x="5211225" y="3968825"/>
+            <a:chExt cx="947775" cy="466450"/>
+          </a:xfrm>
+        </p:grpSpPr>
+        <p:sp>
+          <p:nvSpPr>
+            <p:cNvPr id="714" name="Google Shape;714;p36"/>
+            <p:cNvSpPr/>
+            <p:nvPr/>
+          </p:nvSpPr>
+          <p:spPr>
+            <a:xfrm flipH="1">
+              <a:off x="5211225" y="3968825"/>
+              <a:ext cx="111000" cy="111000"/>
+            </a:xfrm>
+            <a:prstGeom prst="ellipse">
+              <a:avLst/>
+            </a:prstGeom>
+            <a:noFill/>
+            <a:ln w="9525" cap="flat" cmpd="sng">
+              <a:solidFill>
+                <a:schemeClr val="dk2"/>
+              </a:solidFill>
+              <a:prstDash val="solid"/>
+              <a:round/>
+              <a:headEnd type="none" w="sm" len="sm"/>
+              <a:tailEnd type="none" w="sm" len="sm"/>
+            </a:ln>
+          </p:spPr>
+          <p:txBody>
+            <a:bodyPr spcFirstLastPara="1" wrap="square" lIns="91425" tIns="91425" rIns="91425" bIns="91425" anchor="ctr" anchorCtr="0">
+              <a:noAutofit/>
+            </a:bodyPr>
+            <a:lstStyle/>
+            <a:p>
+              <a:pPr marL="0" lvl="0" indent="0" algn="l" rtl="0">
+                <a:spcBef>
+                  <a:spcPts val="0"/>
+                </a:spcBef>
+                <a:spcAft>
+                  <a:spcPts val="0"/>
+                </a:spcAft>
+                <a:buNone/>
+              </a:pPr>
+              <a:endParaRPr/>
+            </a:p>
+          </p:txBody>
+        </p:sp>
+        <p:sp>
+          <p:nvSpPr>
+            <p:cNvPr id="715" name="Google Shape;715;p36"/>
+            <p:cNvSpPr/>
+            <p:nvPr/>
+          </p:nvSpPr>
+          <p:spPr>
+            <a:xfrm>
+              <a:off x="5938800" y="4215075"/>
+              <a:ext cx="220200" cy="220200"/>
+            </a:xfrm>
+            <a:prstGeom prst="star4">
+              <a:avLst>
+                <a:gd name="adj" fmla="val 12500"/>
+              </a:avLst>
+            </a:prstGeom>
+            <a:solidFill>
+              <a:schemeClr val="dk2"/>
+            </a:solidFill>
+            <a:ln>
+              <a:noFill/>
+            </a:ln>
+          </p:spPr>
+          <p:txBody>
+            <a:bodyPr spcFirstLastPara="1" wrap="square" lIns="91425" tIns="91425" rIns="91425" bIns="91425" anchor="ctr" anchorCtr="0">
+              <a:noAutofit/>
+            </a:bodyPr>
+            <a:lstStyle/>
+            <a:p>
+              <a:pPr marL="0" lvl="0" indent="0" algn="l" rtl="0">
+                <a:spcBef>
+                  <a:spcPts val="0"/>
+                </a:spcBef>
+                <a:spcAft>
+                  <a:spcPts val="0"/>
+                </a:spcAft>
+                <a:buNone/>
+              </a:pPr>
+              <a:endParaRPr/>
+            </a:p>
+          </p:txBody>
+        </p:sp>
+      </p:grpSp>
       <p:sp>
         <p:nvSpPr>
           <p:cNvPr id="15" name="Rectangle: Rounded Corners 14">
@@ -13620,7 +14509,7 @@
 </p:sld>
 </file>
 
-<file path=ppt/slides/slide4.xml><?xml version="1.0" encoding="utf-8"?>
+<file path=ppt/slides/slide5.xml><?xml version="1.0" encoding="utf-8"?>
 <p:sld xmlns:a="http://schemas.openxmlformats.org/drawingml/2006/main" xmlns:r="http://schemas.openxmlformats.org/officeDocument/2006/relationships" xmlns:p="http://schemas.openxmlformats.org/presentationml/2006/main">
   <p:cSld>
     <p:spTree>
@@ -14784,7 +15673,7 @@
 </p:sld>
 </file>
 
-<file path=ppt/slides/slide5.xml><?xml version="1.0" encoding="utf-8"?>
+<file path=ppt/slides/slide6.xml><?xml version="1.0" encoding="utf-8"?>
 <p:sld xmlns:a="http://schemas.openxmlformats.org/drawingml/2006/main" xmlns:r="http://schemas.openxmlformats.org/officeDocument/2006/relationships" xmlns:p="http://schemas.openxmlformats.org/presentationml/2006/main">
   <p:cSld>
     <p:spTree>
